--- a/Papierkram/Neuland_CTF.pptx
+++ b/Papierkram/Neuland_CTF.pptx
@@ -9,36 +9,37 @@
     <p:sldId id="257" r:id="rId3"/>
     <p:sldId id="269" r:id="rId4"/>
     <p:sldId id="265" r:id="rId5"/>
-    <p:sldId id="258" r:id="rId6"/>
-    <p:sldId id="268" r:id="rId7"/>
+    <p:sldId id="268" r:id="rId6"/>
+    <p:sldId id="258" r:id="rId7"/>
     <p:sldId id="267" r:id="rId8"/>
-    <p:sldId id="263" r:id="rId9"/>
+    <p:sldId id="270" r:id="rId9"/>
+    <p:sldId id="263" r:id="rId10"/>
   </p:sldIdLst>
   <p:sldSz cx="18288000" cy="10287000"/>
   <p:notesSz cx="6858000" cy="9144000"/>
   <p:embeddedFontLst>
     <p:embeddedFont>
       <p:font typeface="Calibri" panose="020F0502020204030204" pitchFamily="34" charset="0"/>
-      <p:regular r:id="rId10"/>
-      <p:bold r:id="rId11"/>
-      <p:italic r:id="rId12"/>
-      <p:boldItalic r:id="rId13"/>
+      <p:regular r:id="rId11"/>
+      <p:bold r:id="rId12"/>
+      <p:italic r:id="rId13"/>
+      <p:boldItalic r:id="rId14"/>
     </p:embeddedFont>
     <p:embeddedFont>
       <p:font typeface="Roboto Mono Light" panose="020B0604020202020204" charset="0"/>
-      <p:regular r:id="rId14"/>
+      <p:regular r:id="rId15"/>
     </p:embeddedFont>
     <p:embeddedFont>
       <p:font typeface="Roboto Mono Light Bold" panose="020B0604020202020204" charset="0"/>
-      <p:regular r:id="rId15"/>
+      <p:regular r:id="rId16"/>
     </p:embeddedFont>
     <p:embeddedFont>
       <p:font typeface="Roboto Mono Regular" panose="020B0604020202020204" charset="0"/>
-      <p:regular r:id="rId16"/>
+      <p:regular r:id="rId17"/>
     </p:embeddedFont>
     <p:embeddedFont>
       <p:font typeface="Roboto Mono Regular Bold" panose="020B0604020202020204" charset="0"/>
-      <p:regular r:id="rId17"/>
+      <p:regular r:id="rId18"/>
     </p:embeddedFont>
   </p:embeddedFontLst>
   <p:defaultTextStyle>
@@ -155,6 +156,70 @@
 </p:presentation>
 </file>
 
+<file path=ppt/ink/ink1.xml><?xml version="1.0" encoding="utf-8"?>
+<inkml:ink xmlns:inkml="http://www.w3.org/2003/InkML">
+  <inkml:definitions>
+    <inkml:context xml:id="ctx0">
+      <inkml:inkSource xml:id="inkSrc0">
+        <inkml:traceFormat>
+          <inkml:channel name="X" type="integer" min="-2.14748E9" max="2.14748E9" units="cm"/>
+          <inkml:channel name="Y" type="integer" min="-2.14748E9" max="2.14748E9" units="cm"/>
+          <inkml:channel name="F" type="integer" max="32767" units="dev"/>
+        </inkml:traceFormat>
+        <inkml:channelProperties>
+          <inkml:channelProperty channel="X" name="resolution" value="1000" units="1/cm"/>
+          <inkml:channelProperty channel="Y" name="resolution" value="1000" units="1/cm"/>
+          <inkml:channelProperty channel="F" name="resolution" value="0" units="1/dev"/>
+        </inkml:channelProperties>
+      </inkml:inkSource>
+      <inkml:timestamp xml:id="ts0" timeString="2022-11-15T16:52:45.703"/>
+    </inkml:context>
+    <inkml:brush xml:id="br0">
+      <inkml:brushProperty name="width" value="0.1" units="cm"/>
+      <inkml:brushProperty name="height" value="0.1" units="cm"/>
+      <inkml:brushProperty name="color" value="#AE198D"/>
+      <inkml:brushProperty name="inkEffects" value="galaxy"/>
+      <inkml:brushProperty name="anchorX" value="-16891.26367"/>
+      <inkml:brushProperty name="anchorY" value="-10163.19531"/>
+      <inkml:brushProperty name="scaleFactor" value="0.5"/>
+    </inkml:brush>
+  </inkml:definitions>
+  <inkml:trace contextRef="#ctx0" brushRef="#br0">1 1 24575,'0'0'0</inkml:trace>
+</inkml:ink>
+</file>
+
+<file path=ppt/ink/ink2.xml><?xml version="1.0" encoding="utf-8"?>
+<inkml:ink xmlns:inkml="http://www.w3.org/2003/InkML">
+  <inkml:definitions>
+    <inkml:context xml:id="ctx0">
+      <inkml:inkSource xml:id="inkSrc0">
+        <inkml:traceFormat>
+          <inkml:channel name="X" type="integer" min="-2.14748E9" max="2.14748E9" units="cm"/>
+          <inkml:channel name="Y" type="integer" min="-2.14748E9" max="2.14748E9" units="cm"/>
+          <inkml:channel name="F" type="integer" max="32767" units="dev"/>
+        </inkml:traceFormat>
+        <inkml:channelProperties>
+          <inkml:channelProperty channel="X" name="resolution" value="1000" units="1/cm"/>
+          <inkml:channelProperty channel="Y" name="resolution" value="1000" units="1/cm"/>
+          <inkml:channelProperty channel="F" name="resolution" value="0" units="1/dev"/>
+        </inkml:channelProperties>
+      </inkml:inkSource>
+      <inkml:timestamp xml:id="ts0" timeString="2022-11-15T16:52:46.274"/>
+    </inkml:context>
+    <inkml:brush xml:id="br0">
+      <inkml:brushProperty name="width" value="0.1" units="cm"/>
+      <inkml:brushProperty name="height" value="0.1" units="cm"/>
+      <inkml:brushProperty name="color" value="#AE198D"/>
+      <inkml:brushProperty name="inkEffects" value="galaxy"/>
+      <inkml:brushProperty name="anchorX" value="-17907.26367"/>
+      <inkml:brushProperty name="anchorY" value="-11179.19531"/>
+      <inkml:brushProperty name="scaleFactor" value="0.5"/>
+    </inkml:brush>
+  </inkml:definitions>
+  <inkml:trace contextRef="#ctx0" brushRef="#br0">0 1 24575,'0'0'0</inkml:trace>
+</inkml:ink>
+</file>
+
 <file path=ppt/slideLayouts/slideLayout1.xml><?xml version="1.0" encoding="utf-8"?>
 <p:sldLayout xmlns:a="http://schemas.openxmlformats.org/drawingml/2006/main" xmlns:r="http://schemas.openxmlformats.org/officeDocument/2006/relationships" xmlns:p="http://schemas.openxmlformats.org/presentationml/2006/main" type="title" preserve="1">
   <p:cSld name="Title Slide">
@@ -335,7 +400,7 @@
             <a:fld id="{1D8BD707-D9CF-40AE-B4C6-C98DA3205C09}" type="datetimeFigureOut">
               <a:rPr lang="en-US" smtClean="0"/>
               <a:pPr/>
-              <a:t>11/14/2022</a:t>
+              <a:t>11/15/2022</a:t>
             </a:fld>
             <a:endParaRPr lang="en-US"/>
           </a:p>
@@ -500,7 +565,7 @@
             <a:fld id="{1D8BD707-D9CF-40AE-B4C6-C98DA3205C09}" type="datetimeFigureOut">
               <a:rPr lang="en-US" smtClean="0"/>
               <a:pPr/>
-              <a:t>11/14/2022</a:t>
+              <a:t>11/15/2022</a:t>
             </a:fld>
             <a:endParaRPr lang="en-US"/>
           </a:p>
@@ -675,7 +740,7 @@
             <a:fld id="{1D8BD707-D9CF-40AE-B4C6-C98DA3205C09}" type="datetimeFigureOut">
               <a:rPr lang="en-US" smtClean="0"/>
               <a:pPr/>
-              <a:t>11/14/2022</a:t>
+              <a:t>11/15/2022</a:t>
             </a:fld>
             <a:endParaRPr lang="en-US"/>
           </a:p>
@@ -840,7 +905,7 @@
             <a:fld id="{1D8BD707-D9CF-40AE-B4C6-C98DA3205C09}" type="datetimeFigureOut">
               <a:rPr lang="en-US" smtClean="0"/>
               <a:pPr/>
-              <a:t>11/14/2022</a:t>
+              <a:t>11/15/2022</a:t>
             </a:fld>
             <a:endParaRPr lang="en-US"/>
           </a:p>
@@ -1082,7 +1147,7 @@
             <a:fld id="{1D8BD707-D9CF-40AE-B4C6-C98DA3205C09}" type="datetimeFigureOut">
               <a:rPr lang="en-US" smtClean="0"/>
               <a:pPr/>
-              <a:t>11/14/2022</a:t>
+              <a:t>11/15/2022</a:t>
             </a:fld>
             <a:endParaRPr lang="en-US"/>
           </a:p>
@@ -1364,7 +1429,7 @@
             <a:fld id="{1D8BD707-D9CF-40AE-B4C6-C98DA3205C09}" type="datetimeFigureOut">
               <a:rPr lang="en-US" smtClean="0"/>
               <a:pPr/>
-              <a:t>11/14/2022</a:t>
+              <a:t>11/15/2022</a:t>
             </a:fld>
             <a:endParaRPr lang="en-US"/>
           </a:p>
@@ -1780,7 +1845,7 @@
             <a:fld id="{1D8BD707-D9CF-40AE-B4C6-C98DA3205C09}" type="datetimeFigureOut">
               <a:rPr lang="en-US" smtClean="0"/>
               <a:pPr/>
-              <a:t>11/14/2022</a:t>
+              <a:t>11/15/2022</a:t>
             </a:fld>
             <a:endParaRPr lang="en-US"/>
           </a:p>
@@ -1894,7 +1959,7 @@
             <a:fld id="{1D8BD707-D9CF-40AE-B4C6-C98DA3205C09}" type="datetimeFigureOut">
               <a:rPr lang="en-US" smtClean="0"/>
               <a:pPr/>
-              <a:t>11/14/2022</a:t>
+              <a:t>11/15/2022</a:t>
             </a:fld>
             <a:endParaRPr lang="en-US"/>
           </a:p>
@@ -1986,7 +2051,7 @@
             <a:fld id="{1D8BD707-D9CF-40AE-B4C6-C98DA3205C09}" type="datetimeFigureOut">
               <a:rPr lang="en-US" smtClean="0"/>
               <a:pPr/>
-              <a:t>11/14/2022</a:t>
+              <a:t>11/15/2022</a:t>
             </a:fld>
             <a:endParaRPr lang="en-US"/>
           </a:p>
@@ -2258,7 +2323,7 @@
             <a:fld id="{1D8BD707-D9CF-40AE-B4C6-C98DA3205C09}" type="datetimeFigureOut">
               <a:rPr lang="en-US" smtClean="0"/>
               <a:pPr/>
-              <a:t>11/14/2022</a:t>
+              <a:t>11/15/2022</a:t>
             </a:fld>
             <a:endParaRPr lang="en-US"/>
           </a:p>
@@ -2507,7 +2572,7 @@
             <a:fld id="{1D8BD707-D9CF-40AE-B4C6-C98DA3205C09}" type="datetimeFigureOut">
               <a:rPr lang="en-US" smtClean="0"/>
               <a:pPr/>
-              <a:t>11/14/2022</a:t>
+              <a:t>11/15/2022</a:t>
             </a:fld>
             <a:endParaRPr lang="en-US"/>
           </a:p>
@@ -2715,7 +2780,7 @@
             <a:fld id="{1D8BD707-D9CF-40AE-B4C6-C98DA3205C09}" type="datetimeFigureOut">
               <a:rPr lang="en-US" smtClean="0"/>
               <a:pPr/>
-              <a:t>11/14/2022</a:t>
+              <a:t>11/15/2022</a:t>
             </a:fld>
             <a:endParaRPr lang="en-US"/>
           </a:p>
@@ -3306,7 +3371,7 @@
                 </a:solidFill>
                 <a:latin typeface="Roboto Mono Regular"/>
               </a:rPr>
-              <a:t>14.11.2022</a:t>
+              <a:t>16.11.2022</a:t>
             </a:r>
           </a:p>
         </p:txBody>
@@ -3377,34 +3442,7 @@
                 </a:solidFill>
                 <a:latin typeface="Roboto Mono Light"/>
               </a:rPr>
-              <a:t>CTF = IT-</a:t>
-            </a:r>
-            <a:r>
-              <a:rPr lang="en-US" sz="2799" dirty="0" err="1">
-                <a:solidFill>
-                  <a:srgbClr val="FFFFFF"/>
-                </a:solidFill>
-                <a:latin typeface="Roboto Mono Light"/>
-              </a:rPr>
-              <a:t>Sicherheits</a:t>
-            </a:r>
-            <a:r>
-              <a:rPr lang="en-US" sz="2799" dirty="0">
-                <a:solidFill>
-                  <a:srgbClr val="FFFFFF"/>
-                </a:solidFill>
-                <a:latin typeface="Roboto Mono Light"/>
-              </a:rPr>
-              <a:t>-/Hacking-</a:t>
-            </a:r>
-            <a:r>
-              <a:rPr lang="en-US" sz="2799" dirty="0" err="1">
-                <a:solidFill>
-                  <a:srgbClr val="FFFFFF"/>
-                </a:solidFill>
-                <a:latin typeface="Roboto Mono Light"/>
-              </a:rPr>
-              <a:t>Wettbewerb</a:t>
+              <a:t>Capture The Flag (CTF)</a:t>
             </a:r>
             <a:br>
               <a:rPr lang="en-US" sz="2799" dirty="0">
@@ -3421,8 +3459,41 @@
                 </a:solidFill>
                 <a:latin typeface="Roboto Mono Light"/>
               </a:rPr>
-              <a:t>CTF = Capture The Flag</a:t>
-            </a:r>
+              <a:t>= IT-</a:t>
+            </a:r>
+            <a:r>
+              <a:rPr lang="en-US" sz="2799" dirty="0" err="1">
+                <a:solidFill>
+                  <a:srgbClr val="FFFFFF"/>
+                </a:solidFill>
+                <a:latin typeface="Roboto Mono Light"/>
+              </a:rPr>
+              <a:t>Sicherheits</a:t>
+            </a:r>
+            <a:r>
+              <a:rPr lang="en-US" sz="2799" dirty="0">
+                <a:solidFill>
+                  <a:srgbClr val="FFFFFF"/>
+                </a:solidFill>
+                <a:latin typeface="Roboto Mono Light"/>
+              </a:rPr>
+              <a:t>-/Hacking-</a:t>
+            </a:r>
+            <a:r>
+              <a:rPr lang="en-US" sz="2799" dirty="0" err="1">
+                <a:solidFill>
+                  <a:srgbClr val="FFFFFF"/>
+                </a:solidFill>
+                <a:latin typeface="Roboto Mono Light"/>
+              </a:rPr>
+              <a:t>Wettbewerb</a:t>
+            </a:r>
+            <a:endParaRPr lang="en-US" sz="2799" dirty="0">
+              <a:solidFill>
+                <a:srgbClr val="FFFFFF"/>
+              </a:solidFill>
+              <a:latin typeface="Roboto Mono Light"/>
+            </a:endParaRPr>
           </a:p>
         </p:txBody>
       </p:sp>
@@ -3721,14 +3792,14 @@
         <p:spPr>
           <a:xfrm>
             <a:off x="1028700" y="4163245"/>
-            <a:ext cx="10986883" cy="1463862"/>
+            <a:ext cx="13220700" cy="1463862"/>
           </a:xfrm>
           <a:prstGeom prst="rect">
             <a:avLst/>
           </a:prstGeom>
         </p:spPr>
         <p:txBody>
-          <a:bodyPr lIns="0" tIns="0" rIns="0" bIns="0" rtlCol="0" anchor="t">
+          <a:bodyPr wrap="square" lIns="0" tIns="0" rIns="0" bIns="0" rtlCol="0" anchor="t">
             <a:spAutoFit/>
           </a:bodyPr>
           <a:lstStyle/>
@@ -3751,6 +3822,15 @@
               <a:defRPr/>
             </a:pPr>
             <a:r>
+              <a:rPr lang="en-US" sz="2799" dirty="0">
+                <a:solidFill>
+                  <a:srgbClr val="FFFFFF"/>
+                </a:solidFill>
+                <a:latin typeface="Roboto Mono Light"/>
+              </a:rPr>
+              <a:t>G</a:t>
+            </a:r>
+            <a:r>
               <a:rPr kumimoji="0" lang="en-US" sz="2799" b="0" i="0" u="none" strike="noStrike" kern="1200" cap="none" spc="0" normalizeH="0" baseline="0" noProof="0" dirty="0" err="1">
                 <a:ln>
                   <a:noFill/>
@@ -3765,7 +3845,7 @@
                 <a:ea typeface="+mn-ea"/>
                 <a:cs typeface="+mn-cs"/>
               </a:rPr>
-              <a:t>Suche</a:t>
+              <a:t>elöste</a:t>
             </a:r>
             <a:r>
               <a:rPr kumimoji="0" lang="en-US" sz="2799" b="0" i="0" u="none" strike="noStrike" kern="1200" cap="none" spc="0" normalizeH="0" baseline="0" noProof="0" dirty="0">
@@ -3799,7 +3879,7 @@
                 <a:ea typeface="+mn-ea"/>
                 <a:cs typeface="+mn-cs"/>
               </a:rPr>
-              <a:t>Flagge</a:t>
+              <a:t>Rätsel</a:t>
             </a:r>
             <a:r>
               <a:rPr lang="en-US" sz="2799" dirty="0">
@@ -3808,7 +3888,7 @@
                 </a:solidFill>
                 <a:latin typeface="Roboto Mono Light"/>
               </a:rPr>
-              <a:t> (</a:t>
+              <a:t>/</a:t>
             </a:r>
             <a:r>
               <a:rPr kumimoji="0" lang="en-US" sz="2799" b="0" i="0" u="none" strike="noStrike" kern="1200" cap="none" spc="0" normalizeH="0" baseline="0" noProof="0" dirty="0" err="1">
@@ -3825,7 +3905,7 @@
                 <a:ea typeface="+mn-ea"/>
                 <a:cs typeface="+mn-cs"/>
               </a:rPr>
-              <a:t>nland</a:t>
+              <a:t>ausgenutzte</a:t>
             </a:r>
             <a:r>
               <a:rPr kumimoji="0" lang="en-US" sz="2799" b="0" i="0" u="none" strike="noStrike" kern="1200" cap="none" spc="0" normalizeH="0" baseline="0" noProof="0" dirty="0">
@@ -3842,7 +3922,7 @@
                 <a:ea typeface="+mn-ea"/>
                 <a:cs typeface="+mn-cs"/>
               </a:rPr>
-              <a:t>{xxx}) für </a:t>
+              <a:t> </a:t>
             </a:r>
             <a:r>
               <a:rPr kumimoji="0" lang="en-US" sz="2799" b="0" i="0" u="none" strike="noStrike" kern="1200" cap="none" spc="0" normalizeH="0" baseline="0" noProof="0" dirty="0" err="1">
@@ -3859,25 +3939,68 @@
                 <a:ea typeface="+mn-ea"/>
                 <a:cs typeface="+mn-cs"/>
               </a:rPr>
-              <a:t>jede</a:t>
-            </a:r>
-            <a:r>
-              <a:rPr kumimoji="0" lang="en-US" sz="2799" b="0" i="0" u="none" strike="noStrike" kern="1200" cap="none" spc="0" normalizeH="0" baseline="0" noProof="0" dirty="0">
-                <a:ln>
-                  <a:noFill/>
-                </a:ln>
+              <a:t>Sicherheitslücke</a:t>
+            </a:r>
+            <a:r>
+              <a:rPr lang="en-US" sz="2799" dirty="0">
                 <a:solidFill>
                   <a:srgbClr val="FFFFFF"/>
                 </a:solidFill>
-                <a:effectLst/>
-                <a:uLnTx/>
-                <a:uFillTx/>
                 <a:latin typeface="Roboto Mono Light"/>
-                <a:ea typeface="+mn-ea"/>
-                <a:cs typeface="+mn-cs"/>
-              </a:rPr>
-              <a:t> Aufgabe</a:t>
-            </a:r>
+              </a:rPr>
+              <a:t>n </a:t>
+            </a:r>
+            <a:r>
+              <a:rPr lang="en-US" sz="2799" dirty="0">
+                <a:solidFill>
+                  <a:srgbClr val="FFFFFF"/>
+                </a:solidFill>
+                <a:latin typeface="Roboto Mono Light"/>
+                <a:sym typeface="Wingdings" panose="05000000000000000000" pitchFamily="2" charset="2"/>
+              </a:rPr>
+              <a:t> </a:t>
+            </a:r>
+            <a:r>
+              <a:rPr lang="en-US" sz="2799" dirty="0">
+                <a:solidFill>
+                  <a:srgbClr val="FFFFFF"/>
+                </a:solidFill>
+                <a:latin typeface="Roboto Mono Light"/>
+              </a:rPr>
+              <a:t>“</a:t>
+            </a:r>
+            <a:r>
+              <a:rPr lang="en-US" sz="2799" dirty="0" err="1">
+                <a:solidFill>
+                  <a:srgbClr val="FFFFFF"/>
+                </a:solidFill>
+                <a:latin typeface="Roboto Mono Light"/>
+              </a:rPr>
+              <a:t>Flaggen</a:t>
+            </a:r>
+            <a:r>
+              <a:rPr lang="en-US" sz="2799" dirty="0">
+                <a:solidFill>
+                  <a:srgbClr val="FFFFFF"/>
+                </a:solidFill>
+                <a:latin typeface="Roboto Mono Light"/>
+              </a:rPr>
+              <a:t>”</a:t>
+            </a:r>
+            <a:endParaRPr kumimoji="0" lang="en-US" sz="2799" b="0" i="0" u="none" strike="noStrike" kern="1200" cap="none" spc="0" normalizeH="0" baseline="0" noProof="0" dirty="0">
+              <a:ln>
+                <a:noFill/>
+              </a:ln>
+              <a:solidFill>
+                <a:srgbClr val="FFFFFF"/>
+              </a:solidFill>
+              <a:effectLst/>
+              <a:uLnTx/>
+              <a:uFillTx/>
+              <a:latin typeface="Roboto Mono Light"/>
+              <a:ea typeface="+mn-ea"/>
+              <a:cs typeface="+mn-cs"/>
+            </a:endParaRPr>
           </a:p>
           <a:p>
             <a:pPr marL="759459" marR="0" lvl="1" indent="-457200" algn="l" defTabSz="914400" rtl="0" eaLnBrk="1" fontAlgn="auto" latinLnBrk="0" hangingPunct="1">
@@ -3898,13 +4021,22 @@
               <a:defRPr/>
             </a:pPr>
             <a:r>
+              <a:rPr lang="en-US" sz="2799" dirty="0">
+                <a:solidFill>
+                  <a:srgbClr val="FFFFFF"/>
+                </a:solidFill>
+                <a:latin typeface="Roboto Mono Light"/>
+              </a:rPr>
+              <a:t>“</a:t>
+            </a:r>
+            <a:r>
               <a:rPr lang="en-US" sz="2799" dirty="0" err="1">
                 <a:solidFill>
                   <a:srgbClr val="FFFFFF"/>
                 </a:solidFill>
                 <a:latin typeface="Roboto Mono Light"/>
               </a:rPr>
-              <a:t>Jede</a:t>
+              <a:t>Flaggen</a:t>
             </a:r>
             <a:r>
               <a:rPr lang="en-US" sz="2799" dirty="0">
@@ -3913,7 +4045,17 @@
                 </a:solidFill>
                 <a:latin typeface="Roboto Mono Light"/>
               </a:rPr>
-              <a:t> </a:t>
+              <a:t>” </a:t>
+            </a:r>
+            <a:r>
+              <a:rPr lang="en-US" sz="2799" dirty="0">
+                <a:solidFill>
+                  <a:srgbClr val="FFFFFF"/>
+                </a:solidFill>
+                <a:latin typeface="Roboto Mono Light"/>
+                <a:sym typeface="Wingdings" panose="05000000000000000000" pitchFamily="2" charset="2"/>
+              </a:rPr>
+              <a:t> </a:t>
             </a:r>
             <a:r>
               <a:rPr lang="en-US" sz="2799" dirty="0" err="1">
@@ -3922,53 +4064,14 @@
                 </a:solidFill>
                 <a:latin typeface="Roboto Mono Light"/>
               </a:rPr>
-              <a:t>Flagge</a:t>
-            </a:r>
-            <a:r>
-              <a:rPr lang="en-US" sz="2799" dirty="0">
-                <a:solidFill>
-                  <a:srgbClr val="FFFFFF"/>
-                </a:solidFill>
-                <a:latin typeface="Roboto Mono Light"/>
-              </a:rPr>
-              <a:t> </a:t>
-            </a:r>
-            <a:r>
-              <a:rPr lang="en-US" sz="2799" dirty="0" err="1">
-                <a:solidFill>
-                  <a:srgbClr val="FFFFFF"/>
-                </a:solidFill>
-                <a:latin typeface="Roboto Mono Light"/>
-              </a:rPr>
-              <a:t>bringt</a:t>
-            </a:r>
-            <a:r>
-              <a:rPr lang="en-US" sz="2799" dirty="0">
-                <a:solidFill>
-                  <a:srgbClr val="FFFFFF"/>
-                </a:solidFill>
-                <a:latin typeface="Roboto Mono Light"/>
-              </a:rPr>
-              <a:t> </a:t>
-            </a:r>
-            <a:r>
-              <a:rPr lang="en-US" sz="2799" dirty="0" err="1">
-                <a:solidFill>
-                  <a:srgbClr val="FFFFFF"/>
-                </a:solidFill>
-                <a:latin typeface="Roboto Mono Light"/>
-              </a:rPr>
-              <a:t>Punkte</a:t>
-            </a:r>
-            <a:r>
-              <a:rPr lang="en-US" sz="2799" dirty="0">
-                <a:solidFill>
-                  <a:srgbClr val="FFFFFF"/>
-                </a:solidFill>
-                <a:latin typeface="Roboto Mono Light"/>
-              </a:rPr>
-              <a:t> auf dem Scoreboard</a:t>
-            </a:r>
+              <a:t>Punkten</a:t>
+            </a:r>
+            <a:endParaRPr lang="en-US" sz="2799" dirty="0">
+              <a:solidFill>
+                <a:srgbClr val="FFFFFF"/>
+              </a:solidFill>
+              <a:latin typeface="Roboto Mono Light"/>
+            </a:endParaRPr>
           </a:p>
           <a:p>
             <a:pPr marL="759459" marR="0" lvl="1" indent="-457200" algn="l" defTabSz="914400" rtl="0" eaLnBrk="1" fontAlgn="auto" latinLnBrk="0" hangingPunct="1">
@@ -4150,7 +4253,7 @@
         <p:spPr>
           <a:xfrm>
             <a:off x="6128659" y="6661311"/>
-            <a:ext cx="9072778" cy="2464136"/>
+            <a:ext cx="9072778" cy="1463862"/>
           </a:xfrm>
           <a:prstGeom prst="rect">
             <a:avLst/>
@@ -4274,38 +4377,6 @@
               <a:t>Web, </a:t>
             </a:r>
             <a:r>
-              <a:rPr kumimoji="0" lang="en-US" sz="2799" i="0" u="none" strike="noStrike" kern="1200" cap="none" spc="0" normalizeH="0" baseline="0" noProof="0" dirty="0" err="1">
-                <a:ln>
-                  <a:noFill/>
-                </a:ln>
-                <a:solidFill>
-                  <a:srgbClr val="FDFDFD"/>
-                </a:solidFill>
-                <a:effectLst/>
-                <a:uLnTx/>
-                <a:uFillTx/>
-                <a:latin typeface="Roboto Mono Light" panose="020B0604020202020204" charset="0"/>
-                <a:ea typeface="Roboto Mono Light" panose="020B0604020202020204" charset="0"/>
-              </a:rPr>
-              <a:t>Forensik</a:t>
-            </a:r>
-            <a:r>
-              <a:rPr kumimoji="0" lang="en-US" sz="2799" i="0" u="none" strike="noStrike" kern="1200" cap="none" spc="0" normalizeH="0" baseline="0" noProof="0" dirty="0">
-                <a:ln>
-                  <a:noFill/>
-                </a:ln>
-                <a:solidFill>
-                  <a:srgbClr val="FDFDFD"/>
-                </a:solidFill>
-                <a:effectLst/>
-                <a:uLnTx/>
-                <a:uFillTx/>
-                <a:latin typeface="Roboto Mono Light" panose="020B0604020202020204" charset="0"/>
-                <a:ea typeface="Roboto Mono Light" panose="020B0604020202020204" charset="0"/>
-              </a:rPr>
-              <a:t>, </a:t>
-            </a:r>
-            <a:r>
               <a:rPr lang="en-US" sz="2799" dirty="0">
                 <a:solidFill>
                   <a:srgbClr val="FDFDFD"/>
@@ -4380,47 +4451,39 @@
                 <a:latin typeface="Roboto Mono Light" panose="020B0604020202020204" charset="0"/>
                 <a:ea typeface="Roboto Mono Light" panose="020B0604020202020204" charset="0"/>
               </a:rPr>
-              <a:t>Schwierigkeitsgrad</a:t>
-            </a:r>
-            <a:r>
-              <a:rPr lang="en-US" sz="2799" dirty="0">
+              <a:t>Verschiedene</a:t>
+            </a:r>
+            <a:r>
+              <a:rPr kumimoji="0" lang="en-US" sz="2799" i="0" u="none" strike="noStrike" kern="1200" cap="none" spc="0" normalizeH="0" baseline="0" noProof="0" dirty="0">
+                <a:ln>
+                  <a:noFill/>
+                </a:ln>
                 <a:solidFill>
                   <a:srgbClr val="FDFDFD"/>
                 </a:solidFill>
+                <a:effectLst/>
+                <a:uLnTx/>
+                <a:uFillTx/>
                 <a:latin typeface="Roboto Mono Light" panose="020B0604020202020204" charset="0"/>
                 <a:ea typeface="Roboto Mono Light" panose="020B0604020202020204" charset="0"/>
               </a:rPr>
-              <a:t> von </a:t>
-            </a:r>
-            <a:r>
-              <a:rPr lang="en-US" sz="2799" dirty="0" err="1">
+              <a:t> </a:t>
+            </a:r>
+            <a:r>
+              <a:rPr kumimoji="0" lang="en-US" sz="2799" i="0" u="none" strike="noStrike" kern="1200" cap="none" spc="0" normalizeH="0" baseline="0" noProof="0" dirty="0" err="1">
+                <a:ln>
+                  <a:noFill/>
+                </a:ln>
                 <a:solidFill>
                   <a:srgbClr val="FDFDFD"/>
                 </a:solidFill>
+                <a:effectLst/>
+                <a:uLnTx/>
+                <a:uFillTx/>
                 <a:latin typeface="Roboto Mono Light" panose="020B0604020202020204" charset="0"/>
                 <a:ea typeface="Roboto Mono Light" panose="020B0604020202020204" charset="0"/>
               </a:rPr>
-              <a:t>einfach</a:t>
-            </a:r>
-            <a:r>
-              <a:rPr lang="en-US" sz="2799" dirty="0">
-                <a:solidFill>
-                  <a:srgbClr val="FDFDFD"/>
-                </a:solidFill>
-                <a:latin typeface="Roboto Mono Light" panose="020B0604020202020204" charset="0"/>
-                <a:ea typeface="Roboto Mono Light" panose="020B0604020202020204" charset="0"/>
-              </a:rPr>
-              <a:t> bis </a:t>
-            </a:r>
-            <a:r>
-              <a:rPr lang="en-US" sz="2799" dirty="0" err="1">
-                <a:solidFill>
-                  <a:srgbClr val="FDFDFD"/>
-                </a:solidFill>
-                <a:latin typeface="Roboto Mono Light" panose="020B0604020202020204" charset="0"/>
-                <a:ea typeface="Roboto Mono Light" panose="020B0604020202020204" charset="0"/>
-              </a:rPr>
-              <a:t>schwer</a:t>
+              <a:t>Schwierigkeitsgrade</a:t>
             </a:r>
             <a:endParaRPr kumimoji="0" lang="en-US" sz="2799" i="0" u="none" strike="noStrike" kern="1200" cap="none" spc="0" normalizeH="0" baseline="0" noProof="0" dirty="0">
               <a:ln>
@@ -4689,7 +4752,7 @@
                 <a:ea typeface="+mn-ea"/>
                 <a:cs typeface="+mn-cs"/>
               </a:rPr>
-              <a:t> G215 - THI</a:t>
+              <a:t> G215, THI</a:t>
             </a:r>
           </a:p>
         </p:txBody>
@@ -5085,326 +5148,6 @@
 </file>
 
 <file path=ppt/slides/slide5.xml><?xml version="1.0" encoding="utf-8"?>
-<p:sld xmlns:a="http://schemas.openxmlformats.org/drawingml/2006/main" xmlns:r="http://schemas.openxmlformats.org/officeDocument/2006/relationships" xmlns:p="http://schemas.openxmlformats.org/presentationml/2006/main">
-  <p:cSld>
-    <p:bg>
-      <p:bgPr>
-        <a:solidFill>
-          <a:srgbClr val="12230F"/>
-        </a:solidFill>
-        <a:effectLst/>
-      </p:bgPr>
-    </p:bg>
-    <p:spTree>
-      <p:nvGrpSpPr>
-        <p:cNvPr id="1" name=""/>
-        <p:cNvGrpSpPr/>
-        <p:nvPr/>
-      </p:nvGrpSpPr>
-      <p:grpSpPr>
-        <a:xfrm>
-          <a:off x="0" y="0"/>
-          <a:ext cx="0" cy="0"/>
-          <a:chOff x="0" y="0"/>
-          <a:chExt cx="0" cy="0"/>
-        </a:xfrm>
-      </p:grpSpPr>
-      <p:grpSp>
-        <p:nvGrpSpPr>
-          <p:cNvPr id="2" name="Group 2"/>
-          <p:cNvGrpSpPr/>
-          <p:nvPr/>
-        </p:nvGrpSpPr>
-        <p:grpSpPr>
-          <a:xfrm>
-            <a:off x="1" y="0"/>
-            <a:ext cx="6781799" cy="10287000"/>
-            <a:chOff x="0" y="0"/>
-            <a:chExt cx="10395182" cy="13716000"/>
-          </a:xfrm>
-        </p:grpSpPr>
-        <p:sp>
-          <p:nvSpPr>
-            <p:cNvPr id="3" name="AutoShape 3"/>
-            <p:cNvSpPr/>
-            <p:nvPr/>
-          </p:nvSpPr>
-          <p:spPr>
-            <a:xfrm>
-              <a:off x="0" y="0"/>
-              <a:ext cx="10395182" cy="13716000"/>
-            </a:xfrm>
-            <a:prstGeom prst="rect">
-              <a:avLst/>
-            </a:prstGeom>
-            <a:solidFill>
-              <a:srgbClr val="A6A6A6"/>
-            </a:solidFill>
-          </p:spPr>
-        </p:sp>
-      </p:grpSp>
-      <p:sp>
-        <p:nvSpPr>
-          <p:cNvPr id="4" name="TextBox 4"/>
-          <p:cNvSpPr txBox="1"/>
-          <p:nvPr/>
-        </p:nvSpPr>
-        <p:spPr>
-          <a:xfrm>
-            <a:off x="7696200" y="5595983"/>
-            <a:ext cx="9978450" cy="1463862"/>
-          </a:xfrm>
-          <a:prstGeom prst="rect">
-            <a:avLst/>
-          </a:prstGeom>
-        </p:spPr>
-        <p:txBody>
-          <a:bodyPr wrap="square" lIns="0" tIns="0" rIns="0" bIns="0" rtlCol="0" anchor="t">
-            <a:spAutoFit/>
-          </a:bodyPr>
-          <a:lstStyle/>
-          <a:p>
-            <a:pPr marL="604519" lvl="1" indent="-302260">
-              <a:lnSpc>
-                <a:spcPts val="3919"/>
-              </a:lnSpc>
-              <a:buFont typeface="Arial"/>
-              <a:buChar char="•"/>
-            </a:pPr>
-            <a:r>
-              <a:rPr lang="de-DE" sz="2799" dirty="0">
-                <a:solidFill>
-                  <a:srgbClr val="FDFDFD"/>
-                </a:solidFill>
-                <a:latin typeface="Roboto Mono Light"/>
-              </a:rPr>
-              <a:t>10:30 - 11:00 Uhr		Begrüßung, Einführung</a:t>
-            </a:r>
-          </a:p>
-          <a:p>
-            <a:pPr marL="604519" lvl="1" indent="-302260">
-              <a:lnSpc>
-                <a:spcPts val="3919"/>
-              </a:lnSpc>
-              <a:buFont typeface="Arial"/>
-              <a:buChar char="•"/>
-            </a:pPr>
-            <a:r>
-              <a:rPr lang="de-DE" sz="2799" dirty="0">
-                <a:solidFill>
-                  <a:srgbClr val="FDFDFD"/>
-                </a:solidFill>
-                <a:latin typeface="Roboto Mono Light"/>
-              </a:rPr>
-              <a:t>11:00 - 19:00 Uhr 		CTF Wettkampfzeitraum</a:t>
-            </a:r>
-          </a:p>
-          <a:p>
-            <a:pPr marL="604519" lvl="1" indent="-302260">
-              <a:lnSpc>
-                <a:spcPts val="3919"/>
-              </a:lnSpc>
-              <a:buFont typeface="Arial"/>
-              <a:buChar char="•"/>
-            </a:pPr>
-            <a:r>
-              <a:rPr lang="de-DE" sz="2799" dirty="0">
-                <a:solidFill>
-                  <a:srgbClr val="FDFDFD"/>
-                </a:solidFill>
-                <a:latin typeface="Roboto Mono Light"/>
-              </a:rPr>
-              <a:t>19:00 - 21:00 Uhr 		</a:t>
-            </a:r>
-            <a:r>
-              <a:rPr lang="de-DE" sz="2799" dirty="0" err="1">
-                <a:solidFill>
-                  <a:srgbClr val="FDFDFD"/>
-                </a:solidFill>
-                <a:latin typeface="Roboto Mono Light"/>
-              </a:rPr>
-              <a:t>Get</a:t>
-            </a:r>
-            <a:r>
-              <a:rPr lang="de-DE" sz="2799" dirty="0">
-                <a:solidFill>
-                  <a:srgbClr val="FDFDFD"/>
-                </a:solidFill>
-                <a:latin typeface="Roboto Mono Light"/>
-              </a:rPr>
-              <a:t> </a:t>
-            </a:r>
-            <a:r>
-              <a:rPr lang="de-DE" sz="2799" dirty="0" err="1">
-                <a:solidFill>
-                  <a:srgbClr val="FDFDFD"/>
-                </a:solidFill>
-                <a:latin typeface="Roboto Mono Light"/>
-              </a:rPr>
-              <a:t>Together</a:t>
-            </a:r>
-            <a:endParaRPr lang="en-US" sz="2799" dirty="0">
-              <a:solidFill>
-                <a:srgbClr val="FDFDFD"/>
-              </a:solidFill>
-              <a:latin typeface="Roboto Mono Light"/>
-            </a:endParaRPr>
-          </a:p>
-        </p:txBody>
-      </p:sp>
-      <p:sp>
-        <p:nvSpPr>
-          <p:cNvPr id="5" name="AutoShape 5"/>
-          <p:cNvSpPr/>
-          <p:nvPr/>
-        </p:nvSpPr>
-        <p:spPr>
-          <a:xfrm>
-            <a:off x="6781801" y="1790700"/>
-            <a:ext cx="11506200" cy="16781"/>
-          </a:xfrm>
-          <a:prstGeom prst="line">
-            <a:avLst/>
-          </a:prstGeom>
-          <a:ln w="9525" cap="rnd">
-            <a:solidFill>
-              <a:srgbClr val="FDFDFD"/>
-            </a:solidFill>
-            <a:prstDash val="solid"/>
-            <a:headEnd type="none" w="sm" len="sm"/>
-            <a:tailEnd type="none" w="sm" len="sm"/>
-          </a:ln>
-        </p:spPr>
-      </p:sp>
-      <p:sp>
-        <p:nvSpPr>
-          <p:cNvPr id="8" name="TextBox 8"/>
-          <p:cNvSpPr txBox="1"/>
-          <p:nvPr/>
-        </p:nvSpPr>
-        <p:spPr>
-          <a:xfrm>
-            <a:off x="7696200" y="2857500"/>
-            <a:ext cx="9140250" cy="1102866"/>
-          </a:xfrm>
-          <a:prstGeom prst="rect">
-            <a:avLst/>
-          </a:prstGeom>
-        </p:spPr>
-        <p:txBody>
-          <a:bodyPr wrap="square" lIns="0" tIns="0" rIns="0" bIns="0" rtlCol="0" anchor="t">
-            <a:spAutoFit/>
-          </a:bodyPr>
-          <a:lstStyle/>
-          <a:p>
-            <a:pPr>
-              <a:lnSpc>
-                <a:spcPts val="8640"/>
-              </a:lnSpc>
-            </a:pPr>
-            <a:r>
-              <a:rPr lang="en-US" sz="7200" dirty="0" err="1">
-                <a:solidFill>
-                  <a:srgbClr val="1FF000"/>
-                </a:solidFill>
-                <a:latin typeface="Roboto Mono Regular Bold"/>
-              </a:rPr>
-              <a:t>Zeitplan</a:t>
-            </a:r>
-            <a:endParaRPr lang="en-US" sz="7200" dirty="0">
-              <a:solidFill>
-                <a:srgbClr val="1FF000"/>
-              </a:solidFill>
-              <a:latin typeface="Roboto Mono Regular Bold"/>
-            </a:endParaRPr>
-          </a:p>
-        </p:txBody>
-      </p:sp>
-      <p:pic>
-        <p:nvPicPr>
-          <p:cNvPr id="13" name="Picture 5">
-            <a:extLst>
-              <a:ext uri="{FF2B5EF4-FFF2-40B4-BE49-F238E27FC236}">
-                <a16:creationId xmlns:a16="http://schemas.microsoft.com/office/drawing/2014/main" id="{603C6A3D-AE60-48BA-BB9C-E34FE08F7855}"/>
-              </a:ext>
-            </a:extLst>
-          </p:cNvPr>
-          <p:cNvPicPr>
-            <a:picLocks noChangeAspect="1"/>
-          </p:cNvPicPr>
-          <p:nvPr/>
-        </p:nvPicPr>
-        <p:blipFill>
-          <a:blip r:embed="rId2" cstate="print">
-            <a:extLst>
-              <a:ext uri="{28A0092B-C50C-407E-A947-70E740481C1C}">
-                <a14:useLocalDpi xmlns:a14="http://schemas.microsoft.com/office/drawing/2010/main" val="0"/>
-              </a:ext>
-              <a:ext uri="{96DAC541-7B7A-43D3-8B79-37D633B846F1}">
-                <asvg:svgBlip xmlns:asvg="http://schemas.microsoft.com/office/drawing/2016/SVG/main" r:embed="rId3"/>
-              </a:ext>
-            </a:extLst>
-          </a:blip>
-          <a:srcRect/>
-          <a:stretch>
-            <a:fillRect/>
-          </a:stretch>
-        </p:blipFill>
-        <p:spPr>
-          <a:xfrm>
-            <a:off x="16751939" y="9034139"/>
-            <a:ext cx="507361" cy="224161"/>
-          </a:xfrm>
-          <a:prstGeom prst="rect">
-            <a:avLst/>
-          </a:prstGeom>
-        </p:spPr>
-      </p:pic>
-      <p:pic>
-        <p:nvPicPr>
-          <p:cNvPr id="7" name="Grafik 6" descr="Ein Bild, das Text, drinnen, Person enthält.&#10;&#10;Automatisch generierte Beschreibung">
-            <a:extLst>
-              <a:ext uri="{FF2B5EF4-FFF2-40B4-BE49-F238E27FC236}">
-                <a16:creationId xmlns:a16="http://schemas.microsoft.com/office/drawing/2014/main" id="{CDF51D68-1DD3-AD7E-8A01-9B4B029C3D2A}"/>
-              </a:ext>
-            </a:extLst>
-          </p:cNvPr>
-          <p:cNvPicPr>
-            <a:picLocks noChangeAspect="1"/>
-          </p:cNvPicPr>
-          <p:nvPr/>
-        </p:nvPicPr>
-        <p:blipFill>
-          <a:blip r:embed="rId4" cstate="print">
-            <a:extLst>
-              <a:ext uri="{28A0092B-C50C-407E-A947-70E740481C1C}">
-                <a14:useLocalDpi xmlns:a14="http://schemas.microsoft.com/office/drawing/2010/main" val="0"/>
-              </a:ext>
-            </a:extLst>
-          </a:blip>
-          <a:stretch>
-            <a:fillRect/>
-          </a:stretch>
-        </p:blipFill>
-        <p:spPr>
-          <a:xfrm rot="16200000">
-            <a:off x="-1790700" y="1714500"/>
-            <a:ext cx="10287000" cy="6858000"/>
-          </a:xfrm>
-          <a:prstGeom prst="rect">
-            <a:avLst/>
-          </a:prstGeom>
-        </p:spPr>
-      </p:pic>
-    </p:spTree>
-  </p:cSld>
-  <p:clrMapOvr>
-    <a:masterClrMapping/>
-  </p:clrMapOvr>
-</p:sld>
-</file>
-
-<file path=ppt/slides/slide6.xml><?xml version="1.0" encoding="utf-8"?>
 <p:sld xmlns:a="http://schemas.openxmlformats.org/drawingml/2006/main" xmlns:r="http://schemas.openxmlformats.org/officeDocument/2006/relationships" xmlns:p="http://schemas.openxmlformats.org/presentationml/2006/main">
   <p:cSld>
     <p:bg>
@@ -5913,6 +5656,335 @@
 </p:sld>
 </file>
 
+<file path=ppt/slides/slide6.xml><?xml version="1.0" encoding="utf-8"?>
+<p:sld xmlns:a="http://schemas.openxmlformats.org/drawingml/2006/main" xmlns:r="http://schemas.openxmlformats.org/officeDocument/2006/relationships" xmlns:p="http://schemas.openxmlformats.org/presentationml/2006/main">
+  <p:cSld>
+    <p:bg>
+      <p:bgPr>
+        <a:solidFill>
+          <a:srgbClr val="12230F"/>
+        </a:solidFill>
+        <a:effectLst/>
+      </p:bgPr>
+    </p:bg>
+    <p:spTree>
+      <p:nvGrpSpPr>
+        <p:cNvPr id="1" name=""/>
+        <p:cNvGrpSpPr/>
+        <p:nvPr/>
+      </p:nvGrpSpPr>
+      <p:grpSpPr>
+        <a:xfrm>
+          <a:off x="0" y="0"/>
+          <a:ext cx="0" cy="0"/>
+          <a:chOff x="0" y="0"/>
+          <a:chExt cx="0" cy="0"/>
+        </a:xfrm>
+      </p:grpSpPr>
+      <p:grpSp>
+        <p:nvGrpSpPr>
+          <p:cNvPr id="2" name="Group 2"/>
+          <p:cNvGrpSpPr/>
+          <p:nvPr/>
+        </p:nvGrpSpPr>
+        <p:grpSpPr>
+          <a:xfrm>
+            <a:off x="1" y="0"/>
+            <a:ext cx="6781799" cy="10287000"/>
+            <a:chOff x="0" y="0"/>
+            <a:chExt cx="10395182" cy="13716000"/>
+          </a:xfrm>
+        </p:grpSpPr>
+        <p:sp>
+          <p:nvSpPr>
+            <p:cNvPr id="3" name="AutoShape 3"/>
+            <p:cNvSpPr/>
+            <p:nvPr/>
+          </p:nvSpPr>
+          <p:spPr>
+            <a:xfrm>
+              <a:off x="0" y="0"/>
+              <a:ext cx="10395182" cy="13716000"/>
+            </a:xfrm>
+            <a:prstGeom prst="rect">
+              <a:avLst/>
+            </a:prstGeom>
+            <a:solidFill>
+              <a:srgbClr val="A6A6A6"/>
+            </a:solidFill>
+          </p:spPr>
+        </p:sp>
+      </p:grpSp>
+      <p:sp>
+        <p:nvSpPr>
+          <p:cNvPr id="4" name="TextBox 4"/>
+          <p:cNvSpPr txBox="1"/>
+          <p:nvPr/>
+        </p:nvSpPr>
+        <p:spPr>
+          <a:xfrm>
+            <a:off x="7696200" y="5595983"/>
+            <a:ext cx="9978450" cy="1463862"/>
+          </a:xfrm>
+          <a:prstGeom prst="rect">
+            <a:avLst/>
+          </a:prstGeom>
+        </p:spPr>
+        <p:txBody>
+          <a:bodyPr wrap="square" lIns="0" tIns="0" rIns="0" bIns="0" rtlCol="0" anchor="t">
+            <a:spAutoFit/>
+          </a:bodyPr>
+          <a:lstStyle/>
+          <a:p>
+            <a:pPr marL="604519" lvl="1" indent="-302260">
+              <a:lnSpc>
+                <a:spcPts val="3919"/>
+              </a:lnSpc>
+              <a:buFont typeface="Arial"/>
+              <a:buChar char="•"/>
+            </a:pPr>
+            <a:r>
+              <a:rPr lang="de-DE" sz="2799" dirty="0">
+                <a:solidFill>
+                  <a:srgbClr val="FDFDFD"/>
+                </a:solidFill>
+                <a:latin typeface="Roboto Mono Light"/>
+              </a:rPr>
+              <a:t>10:30 - 11:00 Uhr	Begrüßung, Einführung</a:t>
+            </a:r>
+          </a:p>
+          <a:p>
+            <a:pPr marL="604519" lvl="1" indent="-302260">
+              <a:lnSpc>
+                <a:spcPts val="3919"/>
+              </a:lnSpc>
+              <a:buFont typeface="Arial"/>
+              <a:buChar char="•"/>
+            </a:pPr>
+            <a:r>
+              <a:rPr lang="de-DE" sz="2799" dirty="0">
+                <a:solidFill>
+                  <a:srgbClr val="FDFDFD"/>
+                </a:solidFill>
+                <a:latin typeface="Roboto Mono Light"/>
+              </a:rPr>
+              <a:t>11:00 - 19:00 Uhr 	CTF Wettkampfzeitraum</a:t>
+            </a:r>
+          </a:p>
+          <a:p>
+            <a:pPr marL="604519" lvl="1" indent="-302260">
+              <a:lnSpc>
+                <a:spcPts val="3919"/>
+              </a:lnSpc>
+              <a:buFont typeface="Arial"/>
+              <a:buChar char="•"/>
+            </a:pPr>
+            <a:r>
+              <a:rPr lang="de-DE" sz="2799" dirty="0">
+                <a:solidFill>
+                  <a:srgbClr val="FDFDFD"/>
+                </a:solidFill>
+                <a:latin typeface="Roboto Mono Light"/>
+              </a:rPr>
+              <a:t>19:00 - 21:00 Uhr 	</a:t>
+            </a:r>
+            <a:r>
+              <a:rPr lang="de-DE" sz="2799" dirty="0" err="1">
+                <a:solidFill>
+                  <a:srgbClr val="FDFDFD"/>
+                </a:solidFill>
+                <a:latin typeface="Roboto Mono Light"/>
+              </a:rPr>
+              <a:t>Get</a:t>
+            </a:r>
+            <a:r>
+              <a:rPr lang="de-DE" sz="2799" dirty="0">
+                <a:solidFill>
+                  <a:srgbClr val="FDFDFD"/>
+                </a:solidFill>
+                <a:latin typeface="Roboto Mono Light"/>
+              </a:rPr>
+              <a:t> </a:t>
+            </a:r>
+            <a:r>
+              <a:rPr lang="de-DE" sz="2799" dirty="0" err="1">
+                <a:solidFill>
+                  <a:srgbClr val="FDFDFD"/>
+                </a:solidFill>
+                <a:latin typeface="Roboto Mono Light"/>
+              </a:rPr>
+              <a:t>Together</a:t>
+            </a:r>
+            <a:r>
+              <a:rPr lang="de-DE" sz="2799" dirty="0">
+                <a:solidFill>
+                  <a:srgbClr val="FDFDFD"/>
+                </a:solidFill>
+                <a:latin typeface="Roboto Mono Light"/>
+              </a:rPr>
+              <a:t> und Essen</a:t>
+            </a:r>
+            <a:endParaRPr lang="en-US" sz="2799" dirty="0">
+              <a:solidFill>
+                <a:srgbClr val="FDFDFD"/>
+              </a:solidFill>
+              <a:latin typeface="Roboto Mono Light"/>
+            </a:endParaRPr>
+          </a:p>
+        </p:txBody>
+      </p:sp>
+      <p:sp>
+        <p:nvSpPr>
+          <p:cNvPr id="5" name="AutoShape 5"/>
+          <p:cNvSpPr/>
+          <p:nvPr/>
+        </p:nvSpPr>
+        <p:spPr>
+          <a:xfrm>
+            <a:off x="6781801" y="1790700"/>
+            <a:ext cx="11506200" cy="16781"/>
+          </a:xfrm>
+          <a:prstGeom prst="line">
+            <a:avLst/>
+          </a:prstGeom>
+          <a:ln w="9525" cap="rnd">
+            <a:solidFill>
+              <a:srgbClr val="FDFDFD"/>
+            </a:solidFill>
+            <a:prstDash val="solid"/>
+            <a:headEnd type="none" w="sm" len="sm"/>
+            <a:tailEnd type="none" w="sm" len="sm"/>
+          </a:ln>
+        </p:spPr>
+      </p:sp>
+      <p:sp>
+        <p:nvSpPr>
+          <p:cNvPr id="8" name="TextBox 8"/>
+          <p:cNvSpPr txBox="1"/>
+          <p:nvPr/>
+        </p:nvSpPr>
+        <p:spPr>
+          <a:xfrm>
+            <a:off x="7696200" y="2857500"/>
+            <a:ext cx="9140250" cy="1102866"/>
+          </a:xfrm>
+          <a:prstGeom prst="rect">
+            <a:avLst/>
+          </a:prstGeom>
+        </p:spPr>
+        <p:txBody>
+          <a:bodyPr wrap="square" lIns="0" tIns="0" rIns="0" bIns="0" rtlCol="0" anchor="t">
+            <a:spAutoFit/>
+          </a:bodyPr>
+          <a:lstStyle/>
+          <a:p>
+            <a:pPr>
+              <a:lnSpc>
+                <a:spcPts val="8640"/>
+              </a:lnSpc>
+            </a:pPr>
+            <a:r>
+              <a:rPr lang="en-US" sz="7200" dirty="0" err="1">
+                <a:solidFill>
+                  <a:srgbClr val="1FF000"/>
+                </a:solidFill>
+                <a:latin typeface="Roboto Mono Regular Bold"/>
+              </a:rPr>
+              <a:t>Zeitplan</a:t>
+            </a:r>
+            <a:endParaRPr lang="en-US" sz="7200" dirty="0">
+              <a:solidFill>
+                <a:srgbClr val="1FF000"/>
+              </a:solidFill>
+              <a:latin typeface="Roboto Mono Regular Bold"/>
+            </a:endParaRPr>
+          </a:p>
+        </p:txBody>
+      </p:sp>
+      <p:pic>
+        <p:nvPicPr>
+          <p:cNvPr id="13" name="Picture 5">
+            <a:extLst>
+              <a:ext uri="{FF2B5EF4-FFF2-40B4-BE49-F238E27FC236}">
+                <a16:creationId xmlns:a16="http://schemas.microsoft.com/office/drawing/2014/main" id="{603C6A3D-AE60-48BA-BB9C-E34FE08F7855}"/>
+              </a:ext>
+            </a:extLst>
+          </p:cNvPr>
+          <p:cNvPicPr>
+            <a:picLocks noChangeAspect="1"/>
+          </p:cNvPicPr>
+          <p:nvPr/>
+        </p:nvPicPr>
+        <p:blipFill>
+          <a:blip r:embed="rId2" cstate="print">
+            <a:extLst>
+              <a:ext uri="{28A0092B-C50C-407E-A947-70E740481C1C}">
+                <a14:useLocalDpi xmlns:a14="http://schemas.microsoft.com/office/drawing/2010/main" val="0"/>
+              </a:ext>
+              <a:ext uri="{96DAC541-7B7A-43D3-8B79-37D633B846F1}">
+                <asvg:svgBlip xmlns:asvg="http://schemas.microsoft.com/office/drawing/2016/SVG/main" r:embed="rId3"/>
+              </a:ext>
+            </a:extLst>
+          </a:blip>
+          <a:srcRect/>
+          <a:stretch>
+            <a:fillRect/>
+          </a:stretch>
+        </p:blipFill>
+        <p:spPr>
+          <a:xfrm>
+            <a:off x="16751939" y="9034139"/>
+            <a:ext cx="507361" cy="224161"/>
+          </a:xfrm>
+          <a:prstGeom prst="rect">
+            <a:avLst/>
+          </a:prstGeom>
+        </p:spPr>
+      </p:pic>
+      <p:pic>
+        <p:nvPicPr>
+          <p:cNvPr id="7" name="Grafik 6" descr="Ein Bild, das Text, drinnen, Person enthält.&#10;&#10;Automatisch generierte Beschreibung">
+            <a:extLst>
+              <a:ext uri="{FF2B5EF4-FFF2-40B4-BE49-F238E27FC236}">
+                <a16:creationId xmlns:a16="http://schemas.microsoft.com/office/drawing/2014/main" id="{CDF51D68-1DD3-AD7E-8A01-9B4B029C3D2A}"/>
+              </a:ext>
+            </a:extLst>
+          </p:cNvPr>
+          <p:cNvPicPr>
+            <a:picLocks noChangeAspect="1"/>
+          </p:cNvPicPr>
+          <p:nvPr/>
+        </p:nvPicPr>
+        <p:blipFill>
+          <a:blip r:embed="rId4" cstate="print">
+            <a:extLst>
+              <a:ext uri="{28A0092B-C50C-407E-A947-70E740481C1C}">
+                <a14:useLocalDpi xmlns:a14="http://schemas.microsoft.com/office/drawing/2010/main" val="0"/>
+              </a:ext>
+            </a:extLst>
+          </a:blip>
+          <a:stretch>
+            <a:fillRect/>
+          </a:stretch>
+        </p:blipFill>
+        <p:spPr>
+          <a:xfrm rot="16200000">
+            <a:off x="-1790700" y="1714500"/>
+            <a:ext cx="10287000" cy="6858000"/>
+          </a:xfrm>
+          <a:prstGeom prst="rect">
+            <a:avLst/>
+          </a:prstGeom>
+        </p:spPr>
+      </p:pic>
+    </p:spTree>
+  </p:cSld>
+  <p:clrMapOvr>
+    <a:masterClrMapping/>
+  </p:clrMapOvr>
+</p:sld>
+</file>
+
 <file path=ppt/slides/slide7.xml><?xml version="1.0" encoding="utf-8"?>
 <p:sld xmlns:a="http://schemas.openxmlformats.org/drawingml/2006/main" xmlns:r="http://schemas.openxmlformats.org/officeDocument/2006/relationships" xmlns:p="http://schemas.openxmlformats.org/presentationml/2006/main">
   <p:cSld>
@@ -5946,15 +6018,15 @@
         </p:nvSpPr>
         <p:spPr>
           <a:xfrm>
-            <a:off x="10664838" y="2251154"/>
-            <a:ext cx="6594462" cy="1228725"/>
+            <a:off x="5486400" y="2251154"/>
+            <a:ext cx="11772900" cy="1231106"/>
           </a:xfrm>
           <a:prstGeom prst="rect">
             <a:avLst/>
           </a:prstGeom>
         </p:spPr>
         <p:txBody>
-          <a:bodyPr lIns="0" tIns="0" rIns="0" bIns="0" rtlCol="0" anchor="t">
+          <a:bodyPr wrap="square" lIns="0" tIns="0" rIns="0" bIns="0" rtlCol="0" anchor="t">
             <a:spAutoFit/>
           </a:bodyPr>
           <a:lstStyle/>
@@ -5976,6 +6048,23 @@
               <a:tabLst/>
               <a:defRPr/>
             </a:pPr>
+            <a:r>
+              <a:rPr kumimoji="0" lang="en-US" sz="8000" b="0" i="0" u="none" strike="noStrike" kern="1200" cap="none" spc="0" normalizeH="0" baseline="0" noProof="0" dirty="0">
+                <a:ln>
+                  <a:noFill/>
+                </a:ln>
+                <a:solidFill>
+                  <a:srgbClr val="1FF000"/>
+                </a:solidFill>
+                <a:effectLst/>
+                <a:uLnTx/>
+                <a:uFillTx/>
+                <a:latin typeface="Roboto Mono Regular Bold"/>
+                <a:ea typeface="+mn-ea"/>
+                <a:cs typeface="+mn-cs"/>
+              </a:rPr>
+              <a:t>CTF-</a:t>
+            </a:r>
             <a:r>
               <a:rPr kumimoji="0" lang="en-US" sz="8000" b="0" i="0" u="none" strike="noStrike" kern="1200" cap="none" spc="0" normalizeH="0" baseline="0" noProof="0" dirty="0" err="1">
                 <a:ln>
@@ -6143,6 +6232,300 @@
         </p:nvSpPr>
         <p:spPr>
           <a:xfrm>
+            <a:off x="5486400" y="2251154"/>
+            <a:ext cx="11772900" cy="1231106"/>
+          </a:xfrm>
+          <a:prstGeom prst="rect">
+            <a:avLst/>
+          </a:prstGeom>
+        </p:spPr>
+        <p:txBody>
+          <a:bodyPr wrap="square" lIns="0" tIns="0" rIns="0" bIns="0" rtlCol="0" anchor="t">
+            <a:spAutoFit/>
+          </a:bodyPr>
+          <a:lstStyle/>
+          <a:p>
+            <a:pPr marL="0" marR="0" lvl="0" indent="0" algn="r" defTabSz="914400" rtl="0" eaLnBrk="1" fontAlgn="auto" latinLnBrk="0" hangingPunct="1">
+              <a:lnSpc>
+                <a:spcPts val="9600"/>
+              </a:lnSpc>
+              <a:spcBef>
+                <a:spcPts val="0"/>
+              </a:spcBef>
+              <a:spcAft>
+                <a:spcPts val="0"/>
+              </a:spcAft>
+              <a:buClrTx/>
+              <a:buSzTx/>
+              <a:buFontTx/>
+              <a:buNone/>
+              <a:tabLst/>
+              <a:defRPr/>
+            </a:pPr>
+            <a:r>
+              <a:rPr lang="en-US" sz="8000" dirty="0" err="1">
+                <a:solidFill>
+                  <a:srgbClr val="1FF000"/>
+                </a:solidFill>
+                <a:latin typeface="Roboto Mono Regular Bold"/>
+              </a:rPr>
+              <a:t>Vereinss</a:t>
+            </a:r>
+            <a:r>
+              <a:rPr kumimoji="0" lang="en-US" sz="8000" b="0" i="0" u="none" strike="noStrike" kern="1200" cap="none" spc="0" normalizeH="0" baseline="0" noProof="0" dirty="0" err="1">
+                <a:ln>
+                  <a:noFill/>
+                </a:ln>
+                <a:solidFill>
+                  <a:srgbClr val="1FF000"/>
+                </a:solidFill>
+                <a:effectLst/>
+                <a:uLnTx/>
+                <a:uFillTx/>
+                <a:latin typeface="Roboto Mono Regular Bold"/>
+                <a:ea typeface="+mn-ea"/>
+                <a:cs typeface="+mn-cs"/>
+              </a:rPr>
+              <a:t>ponsoren</a:t>
+            </a:r>
+            <a:endParaRPr kumimoji="0" lang="en-US" sz="8000" b="0" i="0" u="none" strike="noStrike" kern="1200" cap="none" spc="0" normalizeH="0" baseline="0" noProof="0" dirty="0">
+              <a:ln>
+                <a:noFill/>
+              </a:ln>
+              <a:solidFill>
+                <a:srgbClr val="1FF000"/>
+              </a:solidFill>
+              <a:effectLst/>
+              <a:uLnTx/>
+              <a:uFillTx/>
+              <a:latin typeface="Roboto Mono Regular Bold"/>
+              <a:ea typeface="+mn-ea"/>
+              <a:cs typeface="+mn-cs"/>
+            </a:endParaRPr>
+          </a:p>
+        </p:txBody>
+      </p:sp>
+      <p:pic>
+        <p:nvPicPr>
+          <p:cNvPr id="5" name="Picture 5"/>
+          <p:cNvPicPr>
+            <a:picLocks noChangeAspect="1"/>
+          </p:cNvPicPr>
+          <p:nvPr/>
+        </p:nvPicPr>
+        <p:blipFill>
+          <a:blip r:embed="rId2" cstate="print">
+            <a:extLst>
+              <a:ext uri="{28A0092B-C50C-407E-A947-70E740481C1C}">
+                <a14:useLocalDpi xmlns:a14="http://schemas.microsoft.com/office/drawing/2010/main" val="0"/>
+              </a:ext>
+              <a:ext uri="{96DAC541-7B7A-43D3-8B79-37D633B846F1}">
+                <asvg:svgBlip xmlns:asvg="http://schemas.microsoft.com/office/drawing/2016/SVG/main" r:embed="rId3"/>
+              </a:ext>
+            </a:extLst>
+          </a:blip>
+          <a:srcRect/>
+          <a:stretch>
+            <a:fillRect/>
+          </a:stretch>
+        </p:blipFill>
+        <p:spPr>
+          <a:xfrm>
+            <a:off x="16751939" y="9034139"/>
+            <a:ext cx="507361" cy="224161"/>
+          </a:xfrm>
+          <a:prstGeom prst="rect">
+            <a:avLst/>
+          </a:prstGeom>
+        </p:spPr>
+      </p:pic>
+      <p:sp>
+        <p:nvSpPr>
+          <p:cNvPr id="6" name="AutoShape 6"/>
+          <p:cNvSpPr/>
+          <p:nvPr/>
+        </p:nvSpPr>
+        <p:spPr>
+          <a:xfrm>
+            <a:off x="0" y="1807481"/>
+            <a:ext cx="18288000" cy="0"/>
+          </a:xfrm>
+          <a:prstGeom prst="line">
+            <a:avLst/>
+          </a:prstGeom>
+          <a:ln w="9525" cap="rnd">
+            <a:solidFill>
+              <a:srgbClr val="FDFDFD"/>
+            </a:solidFill>
+            <a:prstDash val="solid"/>
+            <a:headEnd type="none" w="sm" len="sm"/>
+            <a:tailEnd type="none" w="sm" len="sm"/>
+          </a:ln>
+        </p:spPr>
+      </p:sp>
+      <p:pic>
+        <p:nvPicPr>
+          <p:cNvPr id="15" name="Grafik 14">
+            <a:extLst>
+              <a:ext uri="{FF2B5EF4-FFF2-40B4-BE49-F238E27FC236}">
+                <a16:creationId xmlns:a16="http://schemas.microsoft.com/office/drawing/2014/main" id="{C81ED74D-99DF-9641-0691-8C482522C2C5}"/>
+              </a:ext>
+            </a:extLst>
+          </p:cNvPr>
+          <p:cNvPicPr>
+            <a:picLocks noChangeAspect="1"/>
+          </p:cNvPicPr>
+          <p:nvPr/>
+        </p:nvPicPr>
+        <p:blipFill>
+          <a:blip r:embed="rId4">
+            <a:extLst>
+              <a:ext uri="{28A0092B-C50C-407E-A947-70E740481C1C}">
+                <a14:useLocalDpi xmlns:a14="http://schemas.microsoft.com/office/drawing/2010/main" val="0"/>
+              </a:ext>
+              <a:ext uri="{96DAC541-7B7A-43D3-8B79-37D633B846F1}">
+                <asvg:svgBlip xmlns:asvg="http://schemas.microsoft.com/office/drawing/2016/SVG/main" r:embed="rId5"/>
+              </a:ext>
+            </a:extLst>
+          </a:blip>
+          <a:stretch>
+            <a:fillRect/>
+          </a:stretch>
+        </p:blipFill>
+        <p:spPr>
+          <a:xfrm>
+            <a:off x="14820900" y="5143500"/>
+            <a:ext cx="2438400" cy="1884609"/>
+          </a:xfrm>
+          <a:prstGeom prst="rect">
+            <a:avLst/>
+          </a:prstGeom>
+        </p:spPr>
+      </p:pic>
+      <p:pic>
+        <p:nvPicPr>
+          <p:cNvPr id="17" name="Grafik 16">
+            <a:extLst>
+              <a:ext uri="{FF2B5EF4-FFF2-40B4-BE49-F238E27FC236}">
+                <a16:creationId xmlns:a16="http://schemas.microsoft.com/office/drawing/2014/main" id="{D16DCE0A-8511-3A80-8C98-7F40853E2B84}"/>
+              </a:ext>
+            </a:extLst>
+          </p:cNvPr>
+          <p:cNvPicPr>
+            <a:picLocks noChangeAspect="1"/>
+          </p:cNvPicPr>
+          <p:nvPr/>
+        </p:nvPicPr>
+        <p:blipFill>
+          <a:blip r:embed="rId6" cstate="print">
+            <a:extLst>
+              <a:ext uri="{28A0092B-C50C-407E-A947-70E740481C1C}">
+                <a14:useLocalDpi xmlns:a14="http://schemas.microsoft.com/office/drawing/2010/main" val="0"/>
+              </a:ext>
+              <a:ext uri="{96DAC541-7B7A-43D3-8B79-37D633B846F1}">
+                <asvg:svgBlip xmlns:asvg="http://schemas.microsoft.com/office/drawing/2016/SVG/main" r:embed="rId7"/>
+              </a:ext>
+            </a:extLst>
+          </a:blip>
+          <a:stretch>
+            <a:fillRect/>
+          </a:stretch>
+        </p:blipFill>
+        <p:spPr>
+          <a:xfrm>
+            <a:off x="9829800" y="5129857"/>
+            <a:ext cx="3581400" cy="1525851"/>
+          </a:xfrm>
+          <a:prstGeom prst="rect">
+            <a:avLst/>
+          </a:prstGeom>
+        </p:spPr>
+      </p:pic>
+      <p:pic>
+        <p:nvPicPr>
+          <p:cNvPr id="19" name="Grafik 18">
+            <a:extLst>
+              <a:ext uri="{FF2B5EF4-FFF2-40B4-BE49-F238E27FC236}">
+                <a16:creationId xmlns:a16="http://schemas.microsoft.com/office/drawing/2014/main" id="{500E1297-7605-4987-2207-09BD7A4CE899}"/>
+              </a:ext>
+            </a:extLst>
+          </p:cNvPr>
+          <p:cNvPicPr>
+            <a:picLocks noChangeAspect="1"/>
+          </p:cNvPicPr>
+          <p:nvPr/>
+        </p:nvPicPr>
+        <p:blipFill>
+          <a:blip r:embed="rId8">
+            <a:extLst>
+              <a:ext uri="{28A0092B-C50C-407E-A947-70E740481C1C}">
+                <a14:useLocalDpi xmlns:a14="http://schemas.microsoft.com/office/drawing/2010/main" val="0"/>
+              </a:ext>
+              <a:ext uri="{96DAC541-7B7A-43D3-8B79-37D633B846F1}">
+                <asvg:svgBlip xmlns:asvg="http://schemas.microsoft.com/office/drawing/2016/SVG/main" r:embed="rId9"/>
+              </a:ext>
+            </a:extLst>
+          </a:blip>
+          <a:stretch>
+            <a:fillRect/>
+          </a:stretch>
+        </p:blipFill>
+        <p:spPr>
+          <a:xfrm>
+            <a:off x="1943100" y="5134620"/>
+            <a:ext cx="6477000" cy="1623115"/>
+          </a:xfrm>
+          <a:prstGeom prst="rect">
+            <a:avLst/>
+          </a:prstGeom>
+        </p:spPr>
+      </p:pic>
+    </p:spTree>
+    <p:extLst>
+      <p:ext uri="{BB962C8B-B14F-4D97-AF65-F5344CB8AC3E}">
+        <p14:creationId xmlns:p14="http://schemas.microsoft.com/office/powerpoint/2010/main" val="1639700137"/>
+      </p:ext>
+    </p:extLst>
+  </p:cSld>
+  <p:clrMapOvr>
+    <a:masterClrMapping/>
+  </p:clrMapOvr>
+</p:sld>
+</file>
+
+<file path=ppt/slides/slide9.xml><?xml version="1.0" encoding="utf-8"?>
+<p:sld xmlns:a="http://schemas.openxmlformats.org/drawingml/2006/main" xmlns:r="http://schemas.openxmlformats.org/officeDocument/2006/relationships" xmlns:p="http://schemas.openxmlformats.org/presentationml/2006/main">
+  <p:cSld>
+    <p:bg>
+      <p:bgPr>
+        <a:solidFill>
+          <a:srgbClr val="12230F"/>
+        </a:solidFill>
+        <a:effectLst/>
+      </p:bgPr>
+    </p:bg>
+    <p:spTree>
+      <p:nvGrpSpPr>
+        <p:cNvPr id="1" name=""/>
+        <p:cNvGrpSpPr/>
+        <p:nvPr/>
+      </p:nvGrpSpPr>
+      <p:grpSpPr>
+        <a:xfrm>
+          <a:off x="0" y="0"/>
+          <a:ext cx="0" cy="0"/>
+          <a:chOff x="0" y="0"/>
+          <a:chExt cx="0" cy="0"/>
+        </a:xfrm>
+      </p:grpSpPr>
+      <p:sp>
+        <p:nvSpPr>
+          <p:cNvPr id="4" name="TextBox 4"/>
+          <p:cNvSpPr txBox="1"/>
+          <p:nvPr/>
+        </p:nvSpPr>
+        <p:spPr>
+          <a:xfrm>
             <a:off x="10664838" y="2251154"/>
             <a:ext cx="6594462" cy="1228725"/>
           </a:xfrm>
@@ -6594,6 +6977,108 @@
           </a:p>
         </p:txBody>
       </p:sp>
+      <mc:AlternateContent xmlns:mc="http://schemas.openxmlformats.org/markup-compatibility/2006">
+        <mc:Choice xmlns:p14="http://schemas.microsoft.com/office/powerpoint/2010/main" xmlns:aink="http://schemas.microsoft.com/office/drawing/2016/ink" Requires="p14 aink">
+          <p:contentPart p14:bwMode="auto" r:id="rId7">
+            <p14:nvContentPartPr>
+              <p14:cNvPr id="2" name="Freihand 1">
+                <a:extLst>
+                  <a:ext uri="{FF2B5EF4-FFF2-40B4-BE49-F238E27FC236}">
+                    <a16:creationId xmlns:a16="http://schemas.microsoft.com/office/drawing/2014/main" id="{23A25FF6-2BB4-7405-E941-4DB62638453D}"/>
+                  </a:ext>
+                </a:extLst>
+              </p14:cNvPr>
+              <p14:cNvContentPartPr/>
+              <p14:nvPr/>
+            </p14:nvContentPartPr>
+            <p14:xfrm>
+              <a:off x="12572302" y="7157272"/>
+              <a:ext cx="360" cy="360"/>
+            </p14:xfrm>
+          </p:contentPart>
+        </mc:Choice>
+        <mc:Fallback>
+          <p:pic>
+            <p:nvPicPr>
+              <p:cNvPr id="2" name="Freihand 1">
+                <a:extLst>
+                  <a:ext uri="{FF2B5EF4-FFF2-40B4-BE49-F238E27FC236}">
+                    <a16:creationId xmlns:a16="http://schemas.microsoft.com/office/drawing/2014/main" id="{23A25FF6-2BB4-7405-E941-4DB62638453D}"/>
+                  </a:ext>
+                </a:extLst>
+              </p:cNvPr>
+              <p:cNvPicPr/>
+              <p:nvPr/>
+            </p:nvPicPr>
+            <p:blipFill>
+              <a:blip r:embed="rId8"/>
+              <a:stretch>
+                <a:fillRect/>
+              </a:stretch>
+            </p:blipFill>
+            <p:spPr>
+              <a:xfrm>
+                <a:off x="12554662" y="7139632"/>
+                <a:ext cx="36000" cy="36000"/>
+              </a:xfrm>
+              <a:prstGeom prst="rect">
+                <a:avLst/>
+              </a:prstGeom>
+            </p:spPr>
+          </p:pic>
+        </mc:Fallback>
+      </mc:AlternateContent>
+      <mc:AlternateContent xmlns:mc="http://schemas.openxmlformats.org/markup-compatibility/2006">
+        <mc:Choice xmlns:p14="http://schemas.microsoft.com/office/powerpoint/2010/main" xmlns:aink="http://schemas.microsoft.com/office/drawing/2016/ink" Requires="p14 aink">
+          <p:contentPart p14:bwMode="auto" r:id="rId9">
+            <p14:nvContentPartPr>
+              <p14:cNvPr id="3" name="Freihand 2">
+                <a:extLst>
+                  <a:ext uri="{FF2B5EF4-FFF2-40B4-BE49-F238E27FC236}">
+                    <a16:creationId xmlns:a16="http://schemas.microsoft.com/office/drawing/2014/main" id="{261AA0CC-0538-76C3-E52A-95CCF8BD9644}"/>
+                  </a:ext>
+                </a:extLst>
+              </p14:cNvPr>
+              <p14:cNvContentPartPr/>
+              <p14:nvPr/>
+            </p14:nvContentPartPr>
+            <p14:xfrm>
+              <a:off x="12400942" y="7328632"/>
+              <a:ext cx="360" cy="360"/>
+            </p14:xfrm>
+          </p:contentPart>
+        </mc:Choice>
+        <mc:Fallback>
+          <p:pic>
+            <p:nvPicPr>
+              <p:cNvPr id="3" name="Freihand 2">
+                <a:extLst>
+                  <a:ext uri="{FF2B5EF4-FFF2-40B4-BE49-F238E27FC236}">
+                    <a16:creationId xmlns:a16="http://schemas.microsoft.com/office/drawing/2014/main" id="{261AA0CC-0538-76C3-E52A-95CCF8BD9644}"/>
+                  </a:ext>
+                </a:extLst>
+              </p:cNvPr>
+              <p:cNvPicPr/>
+              <p:nvPr/>
+            </p:nvPicPr>
+            <p:blipFill>
+              <a:blip r:embed="rId10"/>
+              <a:stretch>
+                <a:fillRect/>
+              </a:stretch>
+            </p:blipFill>
+            <p:spPr>
+              <a:xfrm>
+                <a:off x="12382942" y="7310992"/>
+                <a:ext cx="36000" cy="36000"/>
+              </a:xfrm>
+              <a:prstGeom prst="rect">
+                <a:avLst/>
+              </a:prstGeom>
+            </p:spPr>
+          </p:pic>
+        </mc:Fallback>
+      </mc:AlternateContent>
     </p:spTree>
     <p:extLst>
       <p:ext uri="{BB962C8B-B14F-4D97-AF65-F5344CB8AC3E}">
